--- a/Class_Notes/Week12_API.pptx
+++ b/Class_Notes/Week12_API.pptx
@@ -3511,16 +3511,13 @@
             <a:pPr lvl="1"/>
             <a:r>
               <a:rPr lang="en-US" dirty="0"/>
-              <a:t>This Thursday 10-11 in person  </a:t>
-            </a:r>
-            <a:r>
-              <a:rPr lang="en-US" dirty="0" err="1"/>
-              <a:t>Harsbarger</a:t>
-            </a:r>
-            <a:r>
-              <a:rPr lang="en-US" dirty="0"/>
-              <a:t> 324e or by zoom on request</a:t>
-            </a:r>
+              <a:t>This Thursday </a:t>
+            </a:r>
+            <a:r>
+              <a:rPr lang="en-US"/>
+              <a:t>10-11 by zoom </a:t>
+            </a:r>
+            <a:endParaRPr lang="en-US" dirty="0"/>
           </a:p>
           <a:p>
             <a:pPr lvl="1"/>

--- a/Class_Notes/Week12_API.pptx
+++ b/Class_Notes/Week12_API.pptx
@@ -8,6 +8,8 @@
     <p:sldId id="256" r:id="rId2"/>
     <p:sldId id="257" r:id="rId3"/>
     <p:sldId id="263" r:id="rId4"/>
+    <p:sldId id="264" r:id="rId5"/>
+    <p:sldId id="265" r:id="rId6"/>
   </p:sldIdLst>
   <p:sldSz cx="12192000" cy="6858000"/>
   <p:notesSz cx="6858000" cy="9144000"/>
@@ -272,7 +274,7 @@
           <a:p>
             <a:fld id="{8468CD80-9780-DF40-833C-A664B5BDBE20}" type="datetimeFigureOut">
               <a:rPr lang="en-US" smtClean="0"/>
-              <a:t>11/14/23</a:t>
+              <a:t>11/16/23</a:t>
             </a:fld>
             <a:endParaRPr lang="en-US"/>
           </a:p>
@@ -470,7 +472,7 @@
           <a:p>
             <a:fld id="{8468CD80-9780-DF40-833C-A664B5BDBE20}" type="datetimeFigureOut">
               <a:rPr lang="en-US" smtClean="0"/>
-              <a:t>11/14/23</a:t>
+              <a:t>11/16/23</a:t>
             </a:fld>
             <a:endParaRPr lang="en-US"/>
           </a:p>
@@ -678,7 +680,7 @@
           <a:p>
             <a:fld id="{8468CD80-9780-DF40-833C-A664B5BDBE20}" type="datetimeFigureOut">
               <a:rPr lang="en-US" smtClean="0"/>
-              <a:t>11/14/23</a:t>
+              <a:t>11/16/23</a:t>
             </a:fld>
             <a:endParaRPr lang="en-US"/>
           </a:p>
@@ -876,7 +878,7 @@
           <a:p>
             <a:fld id="{8468CD80-9780-DF40-833C-A664B5BDBE20}" type="datetimeFigureOut">
               <a:rPr lang="en-US" smtClean="0"/>
-              <a:t>11/14/23</a:t>
+              <a:t>11/16/23</a:t>
             </a:fld>
             <a:endParaRPr lang="en-US"/>
           </a:p>
@@ -1151,7 +1153,7 @@
           <a:p>
             <a:fld id="{8468CD80-9780-DF40-833C-A664B5BDBE20}" type="datetimeFigureOut">
               <a:rPr lang="en-US" smtClean="0"/>
-              <a:t>11/14/23</a:t>
+              <a:t>11/16/23</a:t>
             </a:fld>
             <a:endParaRPr lang="en-US"/>
           </a:p>
@@ -1416,7 +1418,7 @@
           <a:p>
             <a:fld id="{8468CD80-9780-DF40-833C-A664B5BDBE20}" type="datetimeFigureOut">
               <a:rPr lang="en-US" smtClean="0"/>
-              <a:t>11/14/23</a:t>
+              <a:t>11/16/23</a:t>
             </a:fld>
             <a:endParaRPr lang="en-US"/>
           </a:p>
@@ -1828,7 +1830,7 @@
           <a:p>
             <a:fld id="{8468CD80-9780-DF40-833C-A664B5BDBE20}" type="datetimeFigureOut">
               <a:rPr lang="en-US" smtClean="0"/>
-              <a:t>11/14/23</a:t>
+              <a:t>11/16/23</a:t>
             </a:fld>
             <a:endParaRPr lang="en-US"/>
           </a:p>
@@ -1969,7 +1971,7 @@
           <a:p>
             <a:fld id="{8468CD80-9780-DF40-833C-A664B5BDBE20}" type="datetimeFigureOut">
               <a:rPr lang="en-US" smtClean="0"/>
-              <a:t>11/14/23</a:t>
+              <a:t>11/16/23</a:t>
             </a:fld>
             <a:endParaRPr lang="en-US"/>
           </a:p>
@@ -2082,7 +2084,7 @@
           <a:p>
             <a:fld id="{8468CD80-9780-DF40-833C-A664B5BDBE20}" type="datetimeFigureOut">
               <a:rPr lang="en-US" smtClean="0"/>
-              <a:t>11/14/23</a:t>
+              <a:t>11/16/23</a:t>
             </a:fld>
             <a:endParaRPr lang="en-US"/>
           </a:p>
@@ -2393,7 +2395,7 @@
           <a:p>
             <a:fld id="{8468CD80-9780-DF40-833C-A664B5BDBE20}" type="datetimeFigureOut">
               <a:rPr lang="en-US" smtClean="0"/>
-              <a:t>11/14/23</a:t>
+              <a:t>11/16/23</a:t>
             </a:fld>
             <a:endParaRPr lang="en-US"/>
           </a:p>
@@ -2681,7 +2683,7 @@
           <a:p>
             <a:fld id="{8468CD80-9780-DF40-833C-A664B5BDBE20}" type="datetimeFigureOut">
               <a:rPr lang="en-US" smtClean="0"/>
-              <a:t>11/14/23</a:t>
+              <a:t>11/16/23</a:t>
             </a:fld>
             <a:endParaRPr lang="en-US"/>
           </a:p>
@@ -2922,7 +2924,7 @@
           <a:p>
             <a:fld id="{8468CD80-9780-DF40-833C-A664B5BDBE20}" type="datetimeFigureOut">
               <a:rPr lang="en-US" smtClean="0"/>
-              <a:t>11/14/23</a:t>
+              <a:t>11/16/23</a:t>
             </a:fld>
             <a:endParaRPr lang="en-US"/>
           </a:p>
@@ -3634,7 +3636,7 @@
           <a:p>
             <a:r>
               <a:rPr lang="en-US" dirty="0"/>
-              <a:t>Agenda for Today</a:t>
+              <a:t>Tuesday Agenda</a:t>
             </a:r>
           </a:p>
         </p:txBody>
@@ -3712,6 +3714,275 @@
     <p:extLst>
       <p:ext uri="{BB962C8B-B14F-4D97-AF65-F5344CB8AC3E}">
         <p14:creationId xmlns:p14="http://schemas.microsoft.com/office/powerpoint/2010/main" val="346447947"/>
+      </p:ext>
+    </p:extLst>
+  </p:cSld>
+  <p:clrMapOvr>
+    <a:masterClrMapping/>
+  </p:clrMapOvr>
+</p:sld>
+</file>
+
+<file path=ppt/slides/slide4.xml><?xml version="1.0" encoding="utf-8"?>
+<p:sld xmlns:a="http://schemas.openxmlformats.org/drawingml/2006/main" xmlns:r="http://schemas.openxmlformats.org/officeDocument/2006/relationships" xmlns:p="http://schemas.openxmlformats.org/presentationml/2006/main">
+  <p:cSld>
+    <p:spTree>
+      <p:nvGrpSpPr>
+        <p:cNvPr id="1" name=""/>
+        <p:cNvGrpSpPr/>
+        <p:nvPr/>
+      </p:nvGrpSpPr>
+      <p:grpSpPr>
+        <a:xfrm>
+          <a:off x="0" y="0"/>
+          <a:ext cx="0" cy="0"/>
+          <a:chOff x="0" y="0"/>
+          <a:chExt cx="0" cy="0"/>
+        </a:xfrm>
+      </p:grpSpPr>
+      <p:sp>
+        <p:nvSpPr>
+          <p:cNvPr id="2" name="Title 1">
+            <a:extLst>
+              <a:ext uri="{FF2B5EF4-FFF2-40B4-BE49-F238E27FC236}">
+                <a16:creationId xmlns:a16="http://schemas.microsoft.com/office/drawing/2014/main" id="{F95B23D4-7D67-0F0E-0247-B7E6A0ADC69E}"/>
+              </a:ext>
+            </a:extLst>
+          </p:cNvPr>
+          <p:cNvSpPr>
+            <a:spLocks noGrp="1"/>
+          </p:cNvSpPr>
+          <p:nvPr>
+            <p:ph type="title"/>
+          </p:nvPr>
+        </p:nvSpPr>
+        <p:spPr/>
+        <p:txBody>
+          <a:bodyPr/>
+          <a:lstStyle/>
+          <a:p>
+            <a:r>
+              <a:rPr lang="en-US" dirty="0"/>
+              <a:t>Thursday Agenda</a:t>
+            </a:r>
+          </a:p>
+        </p:txBody>
+      </p:sp>
+      <p:sp>
+        <p:nvSpPr>
+          <p:cNvPr id="3" name="Content Placeholder 2">
+            <a:extLst>
+              <a:ext uri="{FF2B5EF4-FFF2-40B4-BE49-F238E27FC236}">
+                <a16:creationId xmlns:a16="http://schemas.microsoft.com/office/drawing/2014/main" id="{2777820A-9085-E300-0D5C-06EB01EED4EA}"/>
+              </a:ext>
+            </a:extLst>
+          </p:cNvPr>
+          <p:cNvSpPr>
+            <a:spLocks noGrp="1"/>
+          </p:cNvSpPr>
+          <p:nvPr>
+            <p:ph idx="1"/>
+          </p:nvPr>
+        </p:nvSpPr>
+        <p:spPr/>
+        <p:txBody>
+          <a:bodyPr/>
+          <a:lstStyle/>
+          <a:p>
+            <a:r>
+              <a:rPr lang="en-US" dirty="0"/>
+              <a:t>Quick review of Tuesday Exercises </a:t>
+            </a:r>
+          </a:p>
+          <a:p>
+            <a:r>
+              <a:rPr lang="en-US" dirty="0"/>
+              <a:t>Code presentation from Jason </a:t>
+            </a:r>
+          </a:p>
+          <a:p>
+            <a:r>
+              <a:rPr lang="en-US" dirty="0"/>
+              <a:t>Overview of HW for this week and next</a:t>
+            </a:r>
+          </a:p>
+          <a:p>
+            <a:r>
+              <a:rPr lang="en-US" dirty="0"/>
+              <a:t>API notes and exercises part 2</a:t>
+            </a:r>
+          </a:p>
+        </p:txBody>
+      </p:sp>
+    </p:spTree>
+    <p:extLst>
+      <p:ext uri="{BB962C8B-B14F-4D97-AF65-F5344CB8AC3E}">
+        <p14:creationId xmlns:p14="http://schemas.microsoft.com/office/powerpoint/2010/main" val="3080178900"/>
+      </p:ext>
+    </p:extLst>
+  </p:cSld>
+  <p:clrMapOvr>
+    <a:masterClrMapping/>
+  </p:clrMapOvr>
+</p:sld>
+</file>
+
+<file path=ppt/slides/slide5.xml><?xml version="1.0" encoding="utf-8"?>
+<p:sld xmlns:a="http://schemas.openxmlformats.org/drawingml/2006/main" xmlns:r="http://schemas.openxmlformats.org/officeDocument/2006/relationships" xmlns:p="http://schemas.openxmlformats.org/presentationml/2006/main">
+  <p:cSld>
+    <p:spTree>
+      <p:nvGrpSpPr>
+        <p:cNvPr id="1" name=""/>
+        <p:cNvGrpSpPr/>
+        <p:nvPr/>
+      </p:nvGrpSpPr>
+      <p:grpSpPr>
+        <a:xfrm>
+          <a:off x="0" y="0"/>
+          <a:ext cx="0" cy="0"/>
+          <a:chOff x="0" y="0"/>
+          <a:chExt cx="0" cy="0"/>
+        </a:xfrm>
+      </p:grpSpPr>
+      <p:sp>
+        <p:nvSpPr>
+          <p:cNvPr id="2" name="Title 1">
+            <a:extLst>
+              <a:ext uri="{FF2B5EF4-FFF2-40B4-BE49-F238E27FC236}">
+                <a16:creationId xmlns:a16="http://schemas.microsoft.com/office/drawing/2014/main" id="{0CD76359-0843-FADD-9F67-8CCF8EE46082}"/>
+              </a:ext>
+            </a:extLst>
+          </p:cNvPr>
+          <p:cNvSpPr>
+            <a:spLocks noGrp="1"/>
+          </p:cNvSpPr>
+          <p:nvPr>
+            <p:ph type="title"/>
+          </p:nvPr>
+        </p:nvSpPr>
+        <p:spPr/>
+        <p:txBody>
+          <a:bodyPr/>
+          <a:lstStyle/>
+          <a:p>
+            <a:r>
+              <a:rPr lang="en-US" dirty="0"/>
+              <a:t>Preview of next weeks assignment if you want to get started early: </a:t>
+            </a:r>
+          </a:p>
+        </p:txBody>
+      </p:sp>
+      <p:sp>
+        <p:nvSpPr>
+          <p:cNvPr id="3" name="Content Placeholder 2">
+            <a:extLst>
+              <a:ext uri="{FF2B5EF4-FFF2-40B4-BE49-F238E27FC236}">
+                <a16:creationId xmlns:a16="http://schemas.microsoft.com/office/drawing/2014/main" id="{5776AC17-D4C6-6B14-C59B-0E0DAA8DCD3F}"/>
+              </a:ext>
+            </a:extLst>
+          </p:cNvPr>
+          <p:cNvSpPr>
+            <a:spLocks noGrp="1"/>
+          </p:cNvSpPr>
+          <p:nvPr>
+            <p:ph idx="1"/>
+          </p:nvPr>
+        </p:nvSpPr>
+        <p:spPr/>
+        <p:txBody>
+          <a:bodyPr>
+            <a:normAutofit fontScale="92500" lnSpcReduction="20000"/>
+          </a:bodyPr>
+          <a:lstStyle/>
+          <a:p>
+            <a:r>
+              <a:rPr lang="en-US" dirty="0"/>
+              <a:t>You will be revising and resubmitting your forecast code. This will be your second graded script. </a:t>
+            </a:r>
+          </a:p>
+          <a:p>
+            <a:r>
+              <a:rPr lang="en-US" dirty="0"/>
+              <a:t>Due Monday Nov 27</a:t>
+            </a:r>
+          </a:p>
+          <a:p>
+            <a:r>
+              <a:rPr lang="en-US" dirty="0"/>
+              <a:t>Requirements for your revised code: </a:t>
+            </a:r>
+          </a:p>
+          <a:p>
+            <a:pPr lvl="1"/>
+            <a:r>
+              <a:rPr lang="en-US" dirty="0"/>
+              <a:t>Code must run for me or I will return it to you without a grade</a:t>
+            </a:r>
+          </a:p>
+          <a:p>
+            <a:pPr lvl="1"/>
+            <a:r>
+              <a:rPr lang="en-US" dirty="0"/>
+              <a:t>No local file reads must use Rest APIs to get data</a:t>
+            </a:r>
+          </a:p>
+          <a:p>
+            <a:pPr lvl="1"/>
+            <a:r>
+              <a:rPr lang="en-US" dirty="0"/>
+              <a:t>Will need to have at least 2 functions: </a:t>
+            </a:r>
+          </a:p>
+          <a:p>
+            <a:pPr lvl="2"/>
+            <a:r>
+              <a:rPr lang="en-US" dirty="0"/>
+              <a:t>Function must have doc strings</a:t>
+            </a:r>
+          </a:p>
+          <a:p>
+            <a:pPr lvl="2"/>
+            <a:r>
+              <a:rPr lang="en-US" dirty="0"/>
+              <a:t>Function can't just be to take the mean or get the USGS data exactly as we did in class need to do something more to update it (e.g. adding parameters and outputs) or add an additional function if you are using those</a:t>
+            </a:r>
+          </a:p>
+          <a:p>
+            <a:pPr lvl="1"/>
+            <a:r>
+              <a:rPr lang="en-US" dirty="0"/>
+              <a:t>All user input should be in a single block at the top of the code </a:t>
+            </a:r>
+          </a:p>
+          <a:p>
+            <a:pPr lvl="1"/>
+            <a:r>
+              <a:rPr lang="en-US" dirty="0"/>
+              <a:t>There should be a ‘</a:t>
+            </a:r>
+            <a:r>
+              <a:rPr lang="en-US" dirty="0" err="1"/>
+              <a:t>forecast_date</a:t>
+            </a:r>
+            <a:r>
+              <a:rPr lang="en-US" dirty="0"/>
+              <a:t>’ input at the top and the user should be able to change the date and get a forecast and plots for whatever week they enter</a:t>
+            </a:r>
+          </a:p>
+          <a:p>
+            <a:pPr lvl="2"/>
+            <a:endParaRPr lang="en-US" dirty="0"/>
+          </a:p>
+          <a:p>
+            <a:pPr lvl="1"/>
+            <a:endParaRPr lang="en-US" dirty="0"/>
+          </a:p>
+        </p:txBody>
+      </p:sp>
+    </p:spTree>
+    <p:extLst>
+      <p:ext uri="{BB962C8B-B14F-4D97-AF65-F5344CB8AC3E}">
+        <p14:creationId xmlns:p14="http://schemas.microsoft.com/office/powerpoint/2010/main" val="2300430855"/>
       </p:ext>
     </p:extLst>
   </p:cSld>
